--- a/Final Task_Kimia Farma_Big Data Analytics__Mohammad Fauzan.pptx
+++ b/Final Task_Kimia Farma_Big Data Analytics__Mohammad Fauzan.pptx
@@ -306,7 +306,7 @@
       </p15:sldGuideLst>
     </p:ext>
     <p:ext uri="GoogleSlidesCustomDataVersion2">
-      <go:slidesCustomData xmlns="" xmlns:mc="http://schemas.openxmlformats.org/markup-compatibility/2006" xmlns:mv="urn:schemas-microsoft-com:mac:vml" xmlns:c="http://schemas.openxmlformats.org/drawingml/2006/chart" xmlns:dgm="http://schemas.openxmlformats.org/drawingml/2006/diagram" xmlns:o="urn:schemas-microsoft-com:office:office" xmlns:v="urn:schemas-microsoft-com:vml" xmlns:pvml="urn:schemas-microsoft-com:office:powerpoint" xmlns:com="http://schemas.openxmlformats.org/drawingml/2006/compatibility" xmlns:p14="http://schemas.microsoft.com/office/powerpoint/2010/main" xmlns:p15="http://schemas.microsoft.com/office/powerpoint/2012/main" xmlns:ahyp="http://schemas.microsoft.com/office/drawing/2018/hyperlinkcolor" xmlns:go="http://customooxmlschemas.google.com/" r:id="rId39" roundtripDataSignature="AMtx7mi1nl8uAJepcjcA2CnLI/GAkZtj/Q=="/>
+      <go:slidesCustomData xmlns:go="http://customooxmlschemas.google.com/" xmlns:ahyp="http://schemas.microsoft.com/office/drawing/2018/hyperlinkcolor" xmlns:p15="http://schemas.microsoft.com/office/powerpoint/2012/main" xmlns:p14="http://schemas.microsoft.com/office/powerpoint/2010/main" xmlns:com="http://schemas.openxmlformats.org/drawingml/2006/compatibility" xmlns:pvml="urn:schemas-microsoft-com:office:powerpoint" xmlns:v="urn:schemas-microsoft-com:vml" xmlns:o="urn:schemas-microsoft-com:office:office" xmlns:dgm="http://schemas.openxmlformats.org/drawingml/2006/diagram" xmlns:c="http://schemas.openxmlformats.org/drawingml/2006/chart" xmlns:mv="urn:schemas-microsoft-com:mac:vml" xmlns:mc="http://schemas.openxmlformats.org/markup-compatibility/2006" xmlns="" r:id="rId39" roundtripDataSignature="AMtx7mi1nl8uAJepcjcA2CnLI/GAkZtj/Q=="/>
     </p:ext>
   </p:extLst>
 </p:presentation>
@@ -10888,7 +10888,7 @@
         </p:nvSpPr>
         <p:spPr>
           <a:xfrm>
-            <a:off x="349800" y="3079929"/>
+            <a:off x="349800" y="3482758"/>
             <a:ext cx="7289100" cy="569400"/>
           </a:xfrm>
           <a:prstGeom prst="rect">
@@ -11107,7 +11107,7 @@
         </p:nvSpPr>
         <p:spPr>
           <a:xfrm>
-            <a:off x="349800" y="3649329"/>
+            <a:off x="349800" y="3913644"/>
             <a:ext cx="4392000" cy="954300"/>
           </a:xfrm>
           <a:prstGeom prst="rect">

--- a/Final Task_Kimia Farma_Big Data Analytics__Mohammad Fauzan.pptx
+++ b/Final Task_Kimia Farma_Big Data Analytics__Mohammad Fauzan.pptx
@@ -33,28 +33,28 @@
   <p:notesSz cx="6858000" cy="9144000"/>
   <p:embeddedFontLst>
     <p:embeddedFont>
-      <p:font typeface="Rubik"/>
+      <p:font typeface="Rubik" panose="020B0604020202020204" charset="-79"/>
       <p:regular r:id="rId23"/>
       <p:bold r:id="rId24"/>
       <p:italic r:id="rId25"/>
       <p:boldItalic r:id="rId26"/>
     </p:embeddedFont>
     <p:embeddedFont>
-      <p:font typeface="Rubik Light"/>
+      <p:font typeface="Rubik Light" panose="020B0604020202020204" pitchFamily="34" charset="-79"/>
       <p:regular r:id="rId27"/>
       <p:bold r:id="rId28"/>
       <p:italic r:id="rId29"/>
       <p:boldItalic r:id="rId30"/>
     </p:embeddedFont>
     <p:embeddedFont>
-      <p:font typeface="Rubik Medium"/>
+      <p:font typeface="Rubik Medium" panose="020B0604020202020204" pitchFamily="34" charset="-79"/>
       <p:regular r:id="rId31"/>
       <p:bold r:id="rId32"/>
       <p:italic r:id="rId33"/>
       <p:boldItalic r:id="rId34"/>
     </p:embeddedFont>
     <p:embeddedFont>
-      <p:font typeface="Rubik SemiBold"/>
+      <p:font typeface="Rubik SemiBold" panose="020B0604020202020204" pitchFamily="34" charset="-79"/>
       <p:regular r:id="rId35"/>
       <p:bold r:id="rId36"/>
       <p:italic r:id="rId37"/>
@@ -306,7 +306,7 @@
       </p15:sldGuideLst>
     </p:ext>
     <p:ext uri="GoogleSlidesCustomDataVersion2">
-      <go:slidesCustomData xmlns:go="http://customooxmlschemas.google.com/" xmlns:ahyp="http://schemas.microsoft.com/office/drawing/2018/hyperlinkcolor" xmlns:p15="http://schemas.microsoft.com/office/powerpoint/2012/main" xmlns:p14="http://schemas.microsoft.com/office/powerpoint/2010/main" xmlns:com="http://schemas.openxmlformats.org/drawingml/2006/compatibility" xmlns:pvml="urn:schemas-microsoft-com:office:powerpoint" xmlns:v="urn:schemas-microsoft-com:vml" xmlns:o="urn:schemas-microsoft-com:office:office" xmlns:dgm="http://schemas.openxmlformats.org/drawingml/2006/diagram" xmlns:c="http://schemas.openxmlformats.org/drawingml/2006/chart" xmlns:mv="urn:schemas-microsoft-com:mac:vml" xmlns:mc="http://schemas.openxmlformats.org/markup-compatibility/2006" xmlns="" r:id="rId39" roundtripDataSignature="AMtx7mi1nl8uAJepcjcA2CnLI/GAkZtj/Q=="/>
+      <go:slidesCustomData xmlns="" xmlns:mc="http://schemas.openxmlformats.org/markup-compatibility/2006" xmlns:mv="urn:schemas-microsoft-com:mac:vml" xmlns:c="http://schemas.openxmlformats.org/drawingml/2006/chart" xmlns:dgm="http://schemas.openxmlformats.org/drawingml/2006/diagram" xmlns:o="urn:schemas-microsoft-com:office:office" xmlns:v="urn:schemas-microsoft-com:vml" xmlns:pvml="urn:schemas-microsoft-com:office:powerpoint" xmlns:com="http://schemas.openxmlformats.org/drawingml/2006/compatibility" xmlns:p14="http://schemas.microsoft.com/office/powerpoint/2010/main" xmlns:p15="http://schemas.microsoft.com/office/powerpoint/2012/main" xmlns:ahyp="http://schemas.microsoft.com/office/drawing/2018/hyperlinkcolor" xmlns:go="http://customooxmlschemas.google.com/" r:id="rId39" roundtripDataSignature="AMtx7mi1nl8uAJepcjcA2CnLI/GAkZtj/Q=="/>
     </p:ext>
   </p:extLst>
 </p:presentation>
@@ -17020,7 +17020,7 @@
         <p:spPr>
           <a:xfrm>
             <a:off x="1013180" y="3719166"/>
-            <a:ext cx="3504600" cy="461635"/>
+            <a:ext cx="3504600" cy="438551"/>
           </a:xfrm>
           <a:prstGeom prst="rect">
             <a:avLst/>
@@ -17054,7 +17054,7 @@
               <a:buNone/>
             </a:pPr>
             <a:r>
-              <a:rPr lang="en" sz="1200" dirty="0">
+              <a:rPr lang="en" sz="1050" dirty="0">
                 <a:latin typeface="Rubik Medium"/>
                 <a:ea typeface="Rubik Medium"/>
                 <a:cs typeface="Rubik Medium"/>
@@ -17062,7 +17062,7 @@
               </a:rPr>
               <a:t>Bintaro, Tangerang Selatan</a:t>
             </a:r>
-            <a:endParaRPr sz="1200" u="none" strike="noStrike" cap="none" dirty="0">
+            <a:endParaRPr sz="1050" u="none" strike="noStrike" cap="none" dirty="0">
               <a:solidFill>
                 <a:srgbClr val="000000"/>
               </a:solidFill>
@@ -17167,7 +17167,7 @@
         <p:spPr>
           <a:xfrm>
             <a:off x="1013180" y="4337061"/>
-            <a:ext cx="3504600" cy="461635"/>
+            <a:ext cx="3290372" cy="427010"/>
           </a:xfrm>
           <a:prstGeom prst="rect">
             <a:avLst/>
@@ -17201,7 +17201,7 @@
               <a:buNone/>
             </a:pPr>
             <a:r>
-              <a:rPr lang="en-US" sz="1200" dirty="0">
+              <a:rPr lang="en-US" sz="1050" dirty="0">
                 <a:latin typeface="Rubik Medium"/>
                 <a:ea typeface="Rubik Medium"/>
                 <a:cs typeface="Rubik Medium"/>
@@ -17209,7 +17209,7 @@
               </a:rPr>
               <a:t>https://www.linkedin.com/in/mohammad-fauzan/</a:t>
             </a:r>
-            <a:endParaRPr sz="1200" u="none" strike="noStrike" cap="none" dirty="0">
+            <a:endParaRPr sz="1050" u="none" strike="noStrike" cap="none" dirty="0">
               <a:solidFill>
                 <a:srgbClr val="000000"/>
               </a:solidFill>
@@ -17230,7 +17230,7 @@
         <p:spPr>
           <a:xfrm>
             <a:off x="1013180" y="4037776"/>
-            <a:ext cx="3504600" cy="461635"/>
+            <a:ext cx="3504600" cy="438551"/>
           </a:xfrm>
           <a:prstGeom prst="rect">
             <a:avLst/>
@@ -17264,7 +17264,7 @@
               <a:buNone/>
             </a:pPr>
             <a:r>
-              <a:rPr lang="en" sz="1200" dirty="0">
+              <a:rPr lang="en" sz="1050" dirty="0">
                 <a:latin typeface="Rubik Medium"/>
                 <a:ea typeface="Rubik Medium"/>
                 <a:cs typeface="Rubik Medium"/>
@@ -17272,7 +17272,7 @@
               </a:rPr>
               <a:t>fauzanmohammad188@gmail.com</a:t>
             </a:r>
-            <a:endParaRPr sz="1200" u="none" strike="noStrike" cap="none" dirty="0">
+            <a:endParaRPr sz="1050" u="none" strike="noStrike" cap="none" dirty="0">
               <a:solidFill>
                 <a:srgbClr val="000000"/>
               </a:solidFill>
@@ -17419,7 +17419,7 @@
         <p:spPr>
           <a:xfrm>
             <a:off x="1011075" y="4641696"/>
-            <a:ext cx="3504600" cy="461635"/>
+            <a:ext cx="3504600" cy="438551"/>
           </a:xfrm>
           <a:prstGeom prst="rect">
             <a:avLst/>
@@ -17453,7 +17453,7 @@
               <a:buNone/>
             </a:pPr>
             <a:r>
-              <a:rPr lang="en-US" sz="1200" dirty="0">
+              <a:rPr lang="en-US" sz="1050" dirty="0">
                 <a:latin typeface="Rubik Medium"/>
                 <a:ea typeface="Rubik Medium"/>
                 <a:cs typeface="Rubik Medium"/>
@@ -17461,7 +17461,7 @@
               </a:rPr>
               <a:t>https://github.com/Podjan</a:t>
             </a:r>
-            <a:endParaRPr sz="1200" u="none" strike="noStrike" cap="none" dirty="0">
+            <a:endParaRPr sz="1050" u="none" strike="noStrike" cap="none" dirty="0">
               <a:solidFill>
                 <a:srgbClr val="000000"/>
               </a:solidFill>
@@ -17699,78 +17699,40 @@
           </a:p>
         </p:txBody>
       </p:sp>
-      <p:sp>
-        <p:nvSpPr>
-          <p:cNvPr id="154" name="Google Shape;154;p8"/>
-          <p:cNvSpPr/>
+      <p:pic>
+        <p:nvPicPr>
+          <p:cNvPr id="2" name="Google Shape;61;p1">
+            <a:extLst>
+              <a:ext uri="{FF2B5EF4-FFF2-40B4-BE49-F238E27FC236}">
+                <a16:creationId xmlns:a16="http://schemas.microsoft.com/office/drawing/2014/main" id="{46089FBB-F1D7-2D0B-EE58-07E7E5A8A7B7}"/>
+              </a:ext>
+            </a:extLst>
+          </p:cNvPr>
+          <p:cNvPicPr preferRelativeResize="0"/>
           <p:nvPr/>
-        </p:nvSpPr>
+        </p:nvPicPr>
+        <p:blipFill>
+          <a:blip r:embed="rId5">
+            <a:alphaModFix/>
+          </a:blip>
+          <a:stretch>
+            <a:fillRect/>
+          </a:stretch>
+        </p:blipFill>
         <p:spPr>
           <a:xfrm>
-            <a:off x="4871775" y="4301225"/>
-            <a:ext cx="1538100" cy="541200"/>
+            <a:off x="4899391" y="4118671"/>
+            <a:ext cx="1581660" cy="569400"/>
           </a:xfrm>
           <a:prstGeom prst="rect">
             <a:avLst/>
           </a:prstGeom>
           <a:noFill/>
-          <a:ln w="19050" cap="flat" cmpd="sng">
-            <a:solidFill>
-              <a:schemeClr val="lt1"/>
-            </a:solidFill>
-            <a:prstDash val="solid"/>
-            <a:round/>
-            <a:headEnd type="none" w="sm" len="sm"/>
-            <a:tailEnd type="none" w="sm" len="sm"/>
+          <a:ln>
+            <a:noFill/>
           </a:ln>
         </p:spPr>
-        <p:txBody>
-          <a:bodyPr spcFirstLastPara="1" wrap="square" lIns="91425" tIns="91425" rIns="91425" bIns="91425" anchor="ctr" anchorCtr="0">
-            <a:noAutofit/>
-          </a:bodyPr>
-          <a:lstStyle/>
-          <a:p>
-            <a:pPr marL="0" marR="0" lvl="0" indent="0" algn="ctr" rtl="0">
-              <a:lnSpc>
-                <a:spcPct val="100000"/>
-              </a:lnSpc>
-              <a:spcBef>
-                <a:spcPts val="0"/>
-              </a:spcBef>
-              <a:spcAft>
-                <a:spcPts val="0"/>
-              </a:spcAft>
-              <a:buClr>
-                <a:srgbClr val="000000"/>
-              </a:buClr>
-              <a:buSzPts val="1400"/>
-              <a:buFont typeface="Arial"/>
-              <a:buNone/>
-            </a:pPr>
-            <a:r>
-              <a:rPr lang="en" sz="1400" b="0" i="0" u="none" strike="noStrike" cap="none">
-                <a:solidFill>
-                  <a:schemeClr val="lt1"/>
-                </a:solidFill>
-                <a:latin typeface="Rubik Medium"/>
-                <a:ea typeface="Rubik Medium"/>
-                <a:cs typeface="Rubik Medium"/>
-                <a:sym typeface="Rubik Medium"/>
-              </a:rPr>
-              <a:t>Logo Company</a:t>
-            </a:r>
-            <a:endParaRPr sz="1400" b="0" i="0" u="none" strike="noStrike" cap="none">
-              <a:solidFill>
-                <a:schemeClr val="lt1"/>
-              </a:solidFill>
-              <a:latin typeface="Rubik Medium"/>
-              <a:ea typeface="Rubik Medium"/>
-              <a:cs typeface="Rubik Medium"/>
-              <a:sym typeface="Rubik Medium"/>
-            </a:endParaRPr>
-          </a:p>
-        </p:txBody>
-      </p:sp>
+      </p:pic>
     </p:spTree>
   </p:cSld>
   <p:clrMapOvr>
@@ -19657,7 +19619,7 @@
         </p:nvSpPr>
         <p:spPr>
           <a:xfrm>
-            <a:off x="5945099" y="4697697"/>
+            <a:off x="5768931" y="4694463"/>
             <a:ext cx="4648840" cy="307777"/>
           </a:xfrm>
           <a:prstGeom prst="rect">
